--- a/Proposal progetto tecnologie web 22.pptx
+++ b/Proposal progetto tecnologie web 22.pptx
@@ -129,7 +129,7 @@
   <pc:docChgLst>
     <pc:chgData name="Domenico Spaltro" userId="b2f3e71ab7b6a7d3" providerId="LiveId" clId="{FADE398B-E76C-45A3-8B43-F513C88B2F10}"/>
     <pc:docChg chg="modSld">
-      <pc:chgData name="Domenico Spaltro" userId="b2f3e71ab7b6a7d3" providerId="LiveId" clId="{FADE398B-E76C-45A3-8B43-F513C88B2F10}" dt="2022-11-08T14:30:31.084" v="7"/>
+      <pc:chgData name="Domenico Spaltro" userId="b2f3e71ab7b6a7d3" providerId="LiveId" clId="{FADE398B-E76C-45A3-8B43-F513C88B2F10}" dt="2022-11-08T14:38:36.921" v="10" actId="20577"/>
       <pc:docMkLst>
         <pc:docMk/>
       </pc:docMkLst>
@@ -140,12 +140,20 @@
           <pc:sldMk cId="3916834479" sldId="256"/>
         </pc:sldMkLst>
       </pc:sldChg>
-      <pc:sldChg chg="modTransition">
-        <pc:chgData name="Domenico Spaltro" userId="b2f3e71ab7b6a7d3" providerId="LiveId" clId="{FADE398B-E76C-45A3-8B43-F513C88B2F10}" dt="2022-11-08T14:30:24.371" v="6"/>
+      <pc:sldChg chg="modSp mod modTransition">
+        <pc:chgData name="Domenico Spaltro" userId="b2f3e71ab7b6a7d3" providerId="LiveId" clId="{FADE398B-E76C-45A3-8B43-F513C88B2F10}" dt="2022-11-08T14:38:36.921" v="10" actId="20577"/>
         <pc:sldMkLst>
           <pc:docMk/>
           <pc:sldMk cId="2541742973" sldId="257"/>
         </pc:sldMkLst>
+        <pc:spChg chg="mod">
+          <ac:chgData name="Domenico Spaltro" userId="b2f3e71ab7b6a7d3" providerId="LiveId" clId="{FADE398B-E76C-45A3-8B43-F513C88B2F10}" dt="2022-11-08T14:38:36.921" v="10" actId="20577"/>
+          <ac:spMkLst>
+            <pc:docMk/>
+            <pc:sldMk cId="2541742973" sldId="257"/>
+            <ac:spMk id="3" creationId="{71EFCD51-1BE6-9387-2A4F-87E69B351AA9}"/>
+          </ac:spMkLst>
+        </pc:spChg>
       </pc:sldChg>
       <pc:sldChg chg="modTransition">
         <pc:chgData name="Domenico Spaltro" userId="b2f3e71ab7b6a7d3" providerId="LiveId" clId="{FADE398B-E76C-45A3-8B43-F513C88B2F10}" dt="2022-11-08T14:30:16.534" v="5"/>
@@ -5887,7 +5895,7 @@
           <a:p>
             <a:r>
               <a:rPr lang="it-IT" sz="1800" dirty="0"/>
-              <a:t>Scegliere il locale più affine all’evento che si vuole organizzare</a:t>
+              <a:t>Scegliere il locale più affine all’evento che si vuole organizzare;</a:t>
             </a:r>
           </a:p>
           <a:p>
@@ -5899,7 +5907,15 @@
           <a:p>
             <a:r>
               <a:rPr lang="it-IT" sz="1800" dirty="0"/>
-              <a:t>definire un calendario con le prenotazione e i diversi eventi per il proprietario del locale selezionato;</a:t>
+              <a:t>definire un calendario con </a:t>
+            </a:r>
+            <a:r>
+              <a:rPr lang="it-IT" sz="1800"/>
+              <a:t>le prenotazioni </a:t>
+            </a:r>
+            <a:r>
+              <a:rPr lang="it-IT" sz="1800" dirty="0"/>
+              <a:t>e i diversi eventi per il proprietario del locale selezionato;</a:t>
             </a:r>
           </a:p>
           <a:p>
